--- a/docs/basic/conditioneel/Keuzestructuren.pptx
+++ b/docs/basic/conditioneel/Keuzestructuren.pptx
@@ -5,15 +5,13 @@
     <p:sldMasterId id="2147483660" r:id="rId4"/>
   </p:sldMasterIdLst>
   <p:notesMasterIdLst>
-    <p:notesMasterId r:id="rId11"/>
+    <p:notesMasterId r:id="rId9"/>
   </p:notesMasterIdLst>
   <p:sldIdLst>
     <p:sldId id="256" r:id="rId5"/>
     <p:sldId id="257" r:id="rId6"/>
     <p:sldId id="262" r:id="rId7"/>
     <p:sldId id="267" r:id="rId8"/>
-    <p:sldId id="266" r:id="rId9"/>
-    <p:sldId id="265" r:id="rId10"/>
   </p:sldIdLst>
   <p:sldSz cx="9144000" cy="6858000" type="screen4x3"/>
   <p:notesSz cx="6858000" cy="9144000"/>
@@ -112,6 +110,22 @@
       </a:defRPr>
     </a:lvl9pPr>
   </p:defaultTextStyle>
+  <p:extLst>
+    <p:ext uri="{EFAFB233-063F-42B5-8137-9DF3F51BA10A}">
+      <p15:sldGuideLst xmlns:p15="http://schemas.microsoft.com/office/powerpoint/2012/main">
+        <p15:guide id="1" orient="horz" pos="2160">
+          <p15:clr>
+            <a:srgbClr val="A4A3A4"/>
+          </p15:clr>
+        </p15:guide>
+        <p15:guide id="2" pos="2880">
+          <p15:clr>
+            <a:srgbClr val="A4A3A4"/>
+          </p15:clr>
+        </p15:guide>
+      </p15:sldGuideLst>
+    </p:ext>
+  </p:extLst>
 </p:presentation>
 </file>
 
@@ -198,7 +212,7 @@
             <a:fld id="{AB99211C-598F-4B3D-BB4B-E1D2DC515189}" type="datetimeFigureOut">
               <a:rPr lang="en-US" smtClean="0"/>
               <a:pPr/>
-              <a:t>5/28/2015</a:t>
+              <a:t>12/28/19</a:t>
             </a:fld>
             <a:endParaRPr lang="en-US"/>
           </a:p>
@@ -264,38 +278,37 @@
           <a:p>
             <a:pPr lvl="0"/>
             <a:r>
-              <a:rPr lang="en-US" smtClean="0"/>
+              <a:rPr lang="en-US"/>
               <a:t>Click to edit Master text styles</a:t>
             </a:r>
           </a:p>
           <a:p>
             <a:pPr lvl="1"/>
             <a:r>
-              <a:rPr lang="en-US" smtClean="0"/>
+              <a:rPr lang="en-US"/>
               <a:t>Second level</a:t>
             </a:r>
           </a:p>
           <a:p>
             <a:pPr lvl="2"/>
             <a:r>
-              <a:rPr lang="en-US" smtClean="0"/>
+              <a:rPr lang="en-US"/>
               <a:t>Third level</a:t>
             </a:r>
           </a:p>
           <a:p>
             <a:pPr lvl="3"/>
             <a:r>
-              <a:rPr lang="en-US" smtClean="0"/>
+              <a:rPr lang="en-US"/>
               <a:t>Fourth level</a:t>
             </a:r>
           </a:p>
           <a:p>
             <a:pPr lvl="4"/>
             <a:r>
-              <a:rPr lang="en-US" smtClean="0"/>
+              <a:rPr lang="en-US"/>
               <a:t>Fifth level</a:t>
             </a:r>
-            <a:endParaRPr lang="en-US"/>
           </a:p>
         </p:txBody>
       </p:sp>
@@ -360,7 +373,7 @@
             <a:fld id="{5E411B03-3081-42DB-A3EB-EC40F6DB84C2}" type="slidenum">
               <a:rPr lang="en-US" smtClean="0"/>
               <a:pPr/>
-              <a:t>‹nr.›</a:t>
+              <a:t>‹#›</a:t>
             </a:fld>
             <a:endParaRPr lang="en-US"/>
           </a:p>
@@ -715,226 +728,6 @@
 </p:notes>
 </file>
 
-<file path=ppt/notesSlides/notesSlide4.xml><?xml version="1.0" encoding="utf-8"?>
-<p:notes xmlns:a="http://schemas.openxmlformats.org/drawingml/2006/main" xmlns:r="http://schemas.openxmlformats.org/officeDocument/2006/relationships" xmlns:p="http://schemas.openxmlformats.org/presentationml/2006/main">
-  <p:cSld>
-    <p:spTree>
-      <p:nvGrpSpPr>
-        <p:cNvPr id="1" name=""/>
-        <p:cNvGrpSpPr/>
-        <p:nvPr/>
-      </p:nvGrpSpPr>
-      <p:grpSpPr>
-        <a:xfrm>
-          <a:off x="0" y="0"/>
-          <a:ext cx="0" cy="0"/>
-          <a:chOff x="0" y="0"/>
-          <a:chExt cx="0" cy="0"/>
-        </a:xfrm>
-      </p:grpSpPr>
-      <p:sp>
-        <p:nvSpPr>
-          <p:cNvPr id="2" name="Slide Image Placeholder 1"/>
-          <p:cNvSpPr>
-            <a:spLocks noGrp="1" noRot="1" noChangeAspect="1"/>
-          </p:cNvSpPr>
-          <p:nvPr>
-            <p:ph type="sldImg"/>
-          </p:nvPr>
-        </p:nvSpPr>
-        <p:spPr/>
-      </p:sp>
-      <p:sp>
-        <p:nvSpPr>
-          <p:cNvPr id="3" name="Notes Placeholder 2"/>
-          <p:cNvSpPr>
-            <a:spLocks noGrp="1"/>
-          </p:cNvSpPr>
-          <p:nvPr>
-            <p:ph type="body" idx="1"/>
-          </p:nvPr>
-        </p:nvSpPr>
-        <p:spPr/>
-        <p:txBody>
-          <a:bodyPr>
-            <a:normAutofit/>
-          </a:bodyPr>
-          <a:lstStyle/>
-          <a:p>
-            <a:endParaRPr lang="en-US" dirty="0"/>
-          </a:p>
-        </p:txBody>
-      </p:sp>
-      <p:sp>
-        <p:nvSpPr>
-          <p:cNvPr id="4" name="Slide Number Placeholder 3"/>
-          <p:cNvSpPr>
-            <a:spLocks noGrp="1"/>
-          </p:cNvSpPr>
-          <p:nvPr>
-            <p:ph type="sldNum" sz="quarter" idx="10"/>
-          </p:nvPr>
-        </p:nvSpPr>
-        <p:spPr/>
-        <p:txBody>
-          <a:bodyPr/>
-          <a:lstStyle/>
-          <a:p>
-            <a:fld id="{5E411B03-3081-42DB-A3EB-EC40F6DB84C2}" type="slidenum">
-              <a:rPr lang="en-US" smtClean="0"/>
-              <a:pPr/>
-              <a:t>5</a:t>
-            </a:fld>
-            <a:endParaRPr lang="en-US"/>
-          </a:p>
-        </p:txBody>
-      </p:sp>
-    </p:spTree>
-  </p:cSld>
-  <p:clrMapOvr>
-    <a:masterClrMapping/>
-  </p:clrMapOvr>
-</p:notes>
-</file>
-
-<file path=ppt/notesSlides/notesSlide5.xml><?xml version="1.0" encoding="utf-8"?>
-<p:notes xmlns:a="http://schemas.openxmlformats.org/drawingml/2006/main" xmlns:r="http://schemas.openxmlformats.org/officeDocument/2006/relationships" xmlns:p="http://schemas.openxmlformats.org/presentationml/2006/main">
-  <p:cSld>
-    <p:spTree>
-      <p:nvGrpSpPr>
-        <p:cNvPr id="1" name=""/>
-        <p:cNvGrpSpPr/>
-        <p:nvPr/>
-      </p:nvGrpSpPr>
-      <p:grpSpPr>
-        <a:xfrm>
-          <a:off x="0" y="0"/>
-          <a:ext cx="0" cy="0"/>
-          <a:chOff x="0" y="0"/>
-          <a:chExt cx="0" cy="0"/>
-        </a:xfrm>
-      </p:grpSpPr>
-      <p:sp>
-        <p:nvSpPr>
-          <p:cNvPr id="2" name="Slide Image Placeholder 1"/>
-          <p:cNvSpPr>
-            <a:spLocks noGrp="1" noRot="1" noChangeAspect="1"/>
-          </p:cNvSpPr>
-          <p:nvPr>
-            <p:ph type="sldImg"/>
-          </p:nvPr>
-        </p:nvSpPr>
-        <p:spPr/>
-      </p:sp>
-      <p:sp>
-        <p:nvSpPr>
-          <p:cNvPr id="3" name="Notes Placeholder 2"/>
-          <p:cNvSpPr>
-            <a:spLocks noGrp="1"/>
-          </p:cNvSpPr>
-          <p:nvPr>
-            <p:ph type="body" idx="1"/>
-          </p:nvPr>
-        </p:nvSpPr>
-        <p:spPr/>
-        <p:txBody>
-          <a:bodyPr>
-            <a:normAutofit/>
-          </a:bodyPr>
-          <a:lstStyle/>
-          <a:p>
-            <a:r>
-              <a:rPr lang="en-US" dirty="0" smtClean="0"/>
-              <a:t>Trail and error</a:t>
-            </a:r>
-            <a:r>
-              <a:rPr lang="en-US" baseline="0" dirty="0" smtClean="0"/>
-              <a:t> </a:t>
-            </a:r>
-            <a:r>
-              <a:rPr lang="en-US" baseline="0" dirty="0" err="1" smtClean="0"/>
-              <a:t>gaat</a:t>
-            </a:r>
-            <a:r>
-              <a:rPr lang="en-US" baseline="0" dirty="0" smtClean="0"/>
-              <a:t> </a:t>
-            </a:r>
-            <a:r>
-              <a:rPr lang="en-US" baseline="0" dirty="0" err="1" smtClean="0"/>
-              <a:t>meer</a:t>
-            </a:r>
-            <a:r>
-              <a:rPr lang="en-US" baseline="0" dirty="0" smtClean="0"/>
-              <a:t> </a:t>
-            </a:r>
-            <a:r>
-              <a:rPr lang="en-US" baseline="0" dirty="0" err="1" smtClean="0"/>
-              <a:t>tijd</a:t>
-            </a:r>
-            <a:r>
-              <a:rPr lang="en-US" baseline="0" dirty="0" smtClean="0"/>
-              <a:t> </a:t>
-            </a:r>
-            <a:r>
-              <a:rPr lang="en-US" baseline="0" dirty="0" err="1" smtClean="0"/>
-              <a:t>kosten</a:t>
-            </a:r>
-            <a:r>
-              <a:rPr lang="en-US" baseline="0" dirty="0" smtClean="0"/>
-              <a:t> </a:t>
-            </a:r>
-            <a:r>
-              <a:rPr lang="en-US" baseline="0" dirty="0" err="1" smtClean="0"/>
-              <a:t>dan</a:t>
-            </a:r>
-            <a:r>
-              <a:rPr lang="en-US" baseline="0" dirty="0" smtClean="0"/>
-              <a:t> het </a:t>
-            </a:r>
-            <a:r>
-              <a:rPr lang="en-US" baseline="0" dirty="0" err="1" smtClean="0"/>
-              <a:t>oplevert</a:t>
-            </a:r>
-            <a:r>
-              <a:rPr lang="en-US" baseline="0" dirty="0" smtClean="0"/>
-              <a:t>.</a:t>
-            </a:r>
-            <a:endParaRPr lang="en-US" dirty="0"/>
-          </a:p>
-        </p:txBody>
-      </p:sp>
-      <p:sp>
-        <p:nvSpPr>
-          <p:cNvPr id="4" name="Slide Number Placeholder 3"/>
-          <p:cNvSpPr>
-            <a:spLocks noGrp="1"/>
-          </p:cNvSpPr>
-          <p:nvPr>
-            <p:ph type="sldNum" sz="quarter" idx="10"/>
-          </p:nvPr>
-        </p:nvSpPr>
-        <p:spPr/>
-        <p:txBody>
-          <a:bodyPr/>
-          <a:lstStyle/>
-          <a:p>
-            <a:fld id="{5E411B03-3081-42DB-A3EB-EC40F6DB84C2}" type="slidenum">
-              <a:rPr lang="en-US" smtClean="0"/>
-              <a:pPr/>
-              <a:t>6</a:t>
-            </a:fld>
-            <a:endParaRPr lang="en-US"/>
-          </a:p>
-        </p:txBody>
-      </p:sp>
-    </p:spTree>
-  </p:cSld>
-  <p:clrMapOvr>
-    <a:masterClrMapping/>
-  </p:clrMapOvr>
-</p:notes>
-</file>
-
 <file path=ppt/slideLayouts/slideLayout1.xml><?xml version="1.0" encoding="utf-8"?>
 <p:sldLayout xmlns:a="http://schemas.openxmlformats.org/drawingml/2006/main" xmlns:r="http://schemas.openxmlformats.org/officeDocument/2006/relationships" xmlns:p="http://schemas.openxmlformats.org/presentationml/2006/main" showMasterSp="0" type="title" preserve="1">
   <p:cSld name="Title Slide">
@@ -1015,9 +808,7 @@
         </p:style>
         <p:txBody>
           <a:bodyPr anchor="ctr"/>
-          <a:lstStyle>
-            <a:extLst/>
-          </a:lstStyle>
+          <a:lstStyle/>
           <a:p>
             <a:pPr algn="ctr" eaLnBrk="1" latinLnBrk="0" hangingPunct="1"/>
             <a:endParaRPr kumimoji="0" lang="en-US"/>
@@ -1070,10 +861,9 @@
           </a:lstStyle>
           <a:p>
             <a:r>
-              <a:rPr kumimoji="0" lang="en-US" smtClean="0"/>
+              <a:rPr kumimoji="0" lang="en-US"/>
               <a:t>Click to edit Master title style</a:t>
             </a:r>
-            <a:endParaRPr kumimoji="0" lang="en-US"/>
           </a:p>
         </p:txBody>
       </p:sp>
@@ -1132,10 +922,9 @@
           </a:lstStyle>
           <a:p>
             <a:r>
-              <a:rPr kumimoji="0" lang="en-US" smtClean="0"/>
+              <a:rPr kumimoji="0" lang="en-US"/>
               <a:t>Click to edit Master subtitle style</a:t>
             </a:r>
-            <a:endParaRPr kumimoji="0" lang="en-US"/>
           </a:p>
         </p:txBody>
       </p:sp>
@@ -1230,9 +1019,7 @@
           </p:spPr>
           <p:txBody>
             <a:bodyPr vert="horz" wrap="square" lIns="91440" tIns="45720" rIns="91440" bIns="45720" anchor="t" compatLnSpc="1"/>
-            <a:lstStyle>
-              <a:extLst/>
-            </a:lstStyle>
+            <a:lstStyle/>
             <a:p>
               <a:endParaRPr kumimoji="0" lang="en-US"/>
             </a:p>
@@ -1312,9 +1099,7 @@
           </p:spPr>
           <p:txBody>
             <a:bodyPr vert="horz" wrap="square" lIns="91440" tIns="45720" rIns="91440" bIns="45720" anchor="t" compatLnSpc="1"/>
-            <a:lstStyle>
-              <a:extLst/>
-            </a:lstStyle>
+            <a:lstStyle/>
             <a:p>
               <a:endParaRPr kumimoji="0" lang="en-US"/>
             </a:p>
@@ -1471,9 +1256,7 @@
           </p:style>
           <p:txBody>
             <a:bodyPr vert="horz" wrap="square" lIns="91440" tIns="45720" rIns="91440" bIns="45720" anchor="ctr" compatLnSpc="1"/>
-            <a:lstStyle>
-              <a:extLst/>
-            </a:lstStyle>
+            <a:lstStyle/>
             <a:p>
               <a:pPr algn="ctr" eaLnBrk="1" latinLnBrk="0" hangingPunct="1"/>
               <a:endParaRPr kumimoji="0" lang="en-US"/>
@@ -1561,7 +1344,7 @@
             <a:fld id="{1D8BD707-D9CF-40AE-B4C6-C98DA3205C09}" type="datetimeFigureOut">
               <a:rPr lang="en-US" smtClean="0"/>
               <a:pPr/>
-              <a:t>5/28/2015</a:t>
+              <a:t>12/28/19</a:t>
             </a:fld>
             <a:endParaRPr lang="en-US"/>
           </a:p>
@@ -1624,7 +1407,7 @@
             <a:fld id="{B6F15528-21DE-4FAA-801E-634DDDAF4B2B}" type="slidenum">
               <a:rPr lang="en-US" smtClean="0"/>
               <a:pPr/>
-              <a:t>‹nr.›</a:t>
+              <a:t>‹#›</a:t>
             </a:fld>
             <a:endParaRPr lang="en-US"/>
           </a:p>
@@ -1668,15 +1451,12 @@
         <p:spPr/>
         <p:txBody>
           <a:bodyPr/>
-          <a:lstStyle>
-            <a:extLst/>
-          </a:lstStyle>
-          <a:p>
-            <a:r>
-              <a:rPr kumimoji="0" lang="en-US" smtClean="0"/>
+          <a:lstStyle/>
+          <a:p>
+            <a:r>
+              <a:rPr kumimoji="0" lang="en-US"/>
               <a:t>Click to edit Master title style</a:t>
             </a:r>
-            <a:endParaRPr kumimoji="0" lang="en-US"/>
           </a:p>
         </p:txBody>
       </p:sp>
@@ -1698,41 +1478,39 @@
         </p:spPr>
         <p:txBody>
           <a:bodyPr vert="eaVert"/>
-          <a:lstStyle>
-            <a:extLst/>
-          </a:lstStyle>
+          <a:lstStyle/>
           <a:p>
             <a:pPr lvl="0" eaLnBrk="1" latinLnBrk="0" hangingPunct="1"/>
             <a:r>
-              <a:rPr lang="en-US" smtClean="0"/>
+              <a:rPr lang="en-US"/>
               <a:t>Click to edit Master text styles</a:t>
             </a:r>
           </a:p>
           <a:p>
             <a:pPr lvl="1" eaLnBrk="1" latinLnBrk="0" hangingPunct="1"/>
             <a:r>
-              <a:rPr lang="en-US" smtClean="0"/>
+              <a:rPr lang="en-US"/>
               <a:t>Second level</a:t>
             </a:r>
           </a:p>
           <a:p>
             <a:pPr lvl="2" eaLnBrk="1" latinLnBrk="0" hangingPunct="1"/>
             <a:r>
-              <a:rPr lang="en-US" smtClean="0"/>
+              <a:rPr lang="en-US"/>
               <a:t>Third level</a:t>
             </a:r>
           </a:p>
           <a:p>
             <a:pPr lvl="3" eaLnBrk="1" latinLnBrk="0" hangingPunct="1"/>
             <a:r>
-              <a:rPr lang="en-US" smtClean="0"/>
+              <a:rPr lang="en-US"/>
               <a:t>Fourth level</a:t>
             </a:r>
           </a:p>
           <a:p>
             <a:pPr lvl="4" eaLnBrk="1" latinLnBrk="0" hangingPunct="1"/>
             <a:r>
-              <a:rPr lang="en-US" smtClean="0"/>
+              <a:rPr lang="en-US"/>
               <a:t>Fifth level</a:t>
             </a:r>
             <a:endParaRPr kumimoji="0" lang="en-US"/>
@@ -1752,14 +1530,12 @@
         <p:spPr/>
         <p:txBody>
           <a:bodyPr/>
-          <a:lstStyle>
-            <a:extLst/>
-          </a:lstStyle>
+          <a:lstStyle/>
           <a:p>
             <a:fld id="{1D8BD707-D9CF-40AE-B4C6-C98DA3205C09}" type="datetimeFigureOut">
               <a:rPr lang="en-US" smtClean="0"/>
               <a:pPr/>
-              <a:t>5/28/2015</a:t>
+              <a:t>12/28/19</a:t>
             </a:fld>
             <a:endParaRPr lang="en-US"/>
           </a:p>
@@ -1778,9 +1554,7 @@
         <p:spPr/>
         <p:txBody>
           <a:bodyPr/>
-          <a:lstStyle>
-            <a:extLst/>
-          </a:lstStyle>
+          <a:lstStyle/>
           <a:p>
             <a:endParaRPr lang="en-US"/>
           </a:p>
@@ -1799,14 +1573,12 @@
         <p:spPr/>
         <p:txBody>
           <a:bodyPr/>
-          <a:lstStyle>
-            <a:extLst/>
-          </a:lstStyle>
+          <a:lstStyle/>
           <a:p>
             <a:fld id="{B6F15528-21DE-4FAA-801E-634DDDAF4B2B}" type="slidenum">
               <a:rPr lang="en-US" smtClean="0"/>
               <a:pPr/>
-              <a:t>‹nr.›</a:t>
+              <a:t>‹#›</a:t>
             </a:fld>
             <a:endParaRPr lang="en-US"/>
           </a:p>
@@ -1855,15 +1627,12 @@
         </p:spPr>
         <p:txBody>
           <a:bodyPr vert="eaVert"/>
-          <a:lstStyle>
-            <a:extLst/>
-          </a:lstStyle>
-          <a:p>
-            <a:r>
-              <a:rPr kumimoji="0" lang="en-US" smtClean="0"/>
+          <a:lstStyle/>
+          <a:p>
+            <a:r>
+              <a:rPr kumimoji="0" lang="en-US"/>
               <a:t>Click to edit Master title style</a:t>
             </a:r>
-            <a:endParaRPr kumimoji="0" lang="en-US"/>
           </a:p>
         </p:txBody>
       </p:sp>
@@ -1885,41 +1654,39 @@
         </p:spPr>
         <p:txBody>
           <a:bodyPr vert="eaVert"/>
-          <a:lstStyle>
-            <a:extLst/>
-          </a:lstStyle>
+          <a:lstStyle/>
           <a:p>
             <a:pPr lvl="0" eaLnBrk="1" latinLnBrk="0" hangingPunct="1"/>
             <a:r>
-              <a:rPr lang="en-US" smtClean="0"/>
+              <a:rPr lang="en-US"/>
               <a:t>Click to edit Master text styles</a:t>
             </a:r>
           </a:p>
           <a:p>
             <a:pPr lvl="1" eaLnBrk="1" latinLnBrk="0" hangingPunct="1"/>
             <a:r>
-              <a:rPr lang="en-US" smtClean="0"/>
+              <a:rPr lang="en-US"/>
               <a:t>Second level</a:t>
             </a:r>
           </a:p>
           <a:p>
             <a:pPr lvl="2" eaLnBrk="1" latinLnBrk="0" hangingPunct="1"/>
             <a:r>
-              <a:rPr lang="en-US" smtClean="0"/>
+              <a:rPr lang="en-US"/>
               <a:t>Third level</a:t>
             </a:r>
           </a:p>
           <a:p>
             <a:pPr lvl="3" eaLnBrk="1" latinLnBrk="0" hangingPunct="1"/>
             <a:r>
-              <a:rPr lang="en-US" smtClean="0"/>
+              <a:rPr lang="en-US"/>
               <a:t>Fourth level</a:t>
             </a:r>
           </a:p>
           <a:p>
             <a:pPr lvl="4" eaLnBrk="1" latinLnBrk="0" hangingPunct="1"/>
             <a:r>
-              <a:rPr lang="en-US" smtClean="0"/>
+              <a:rPr lang="en-US"/>
               <a:t>Fifth level</a:t>
             </a:r>
             <a:endParaRPr kumimoji="0" lang="en-US"/>
@@ -1939,14 +1706,12 @@
         <p:spPr/>
         <p:txBody>
           <a:bodyPr/>
-          <a:lstStyle>
-            <a:extLst/>
-          </a:lstStyle>
+          <a:lstStyle/>
           <a:p>
             <a:fld id="{1D8BD707-D9CF-40AE-B4C6-C98DA3205C09}" type="datetimeFigureOut">
               <a:rPr lang="en-US" smtClean="0"/>
               <a:pPr/>
-              <a:t>5/28/2015</a:t>
+              <a:t>12/28/19</a:t>
             </a:fld>
             <a:endParaRPr lang="en-US"/>
           </a:p>
@@ -1965,9 +1730,7 @@
         <p:spPr/>
         <p:txBody>
           <a:bodyPr/>
-          <a:lstStyle>
-            <a:extLst/>
-          </a:lstStyle>
+          <a:lstStyle/>
           <a:p>
             <a:endParaRPr lang="en-US"/>
           </a:p>
@@ -1986,14 +1749,12 @@
         <p:spPr/>
         <p:txBody>
           <a:bodyPr/>
-          <a:lstStyle>
-            <a:extLst/>
-          </a:lstStyle>
+          <a:lstStyle/>
           <a:p>
             <a:fld id="{B6F15528-21DE-4FAA-801E-634DDDAF4B2B}" type="slidenum">
               <a:rPr lang="en-US" smtClean="0"/>
               <a:pPr/>
-              <a:t>‹nr.›</a:t>
+              <a:t>‹#›</a:t>
             </a:fld>
             <a:endParaRPr lang="en-US"/>
           </a:p>
@@ -2037,41 +1798,39 @@
         <p:spPr/>
         <p:txBody>
           <a:bodyPr/>
-          <a:lstStyle>
-            <a:extLst/>
-          </a:lstStyle>
+          <a:lstStyle/>
           <a:p>
             <a:pPr lvl="0" eaLnBrk="1" latinLnBrk="0" hangingPunct="1"/>
             <a:r>
-              <a:rPr lang="en-US" smtClean="0"/>
+              <a:rPr lang="en-US"/>
               <a:t>Click to edit Master text styles</a:t>
             </a:r>
           </a:p>
           <a:p>
             <a:pPr lvl="1" eaLnBrk="1" latinLnBrk="0" hangingPunct="1"/>
             <a:r>
-              <a:rPr lang="en-US" smtClean="0"/>
+              <a:rPr lang="en-US"/>
               <a:t>Second level</a:t>
             </a:r>
           </a:p>
           <a:p>
             <a:pPr lvl="2" eaLnBrk="1" latinLnBrk="0" hangingPunct="1"/>
             <a:r>
-              <a:rPr lang="en-US" smtClean="0"/>
+              <a:rPr lang="en-US"/>
               <a:t>Third level</a:t>
             </a:r>
           </a:p>
           <a:p>
             <a:pPr lvl="3" eaLnBrk="1" latinLnBrk="0" hangingPunct="1"/>
             <a:r>
-              <a:rPr lang="en-US" smtClean="0"/>
+              <a:rPr lang="en-US"/>
               <a:t>Fourth level</a:t>
             </a:r>
           </a:p>
           <a:p>
             <a:pPr lvl="4" eaLnBrk="1" latinLnBrk="0" hangingPunct="1"/>
             <a:r>
-              <a:rPr lang="en-US" smtClean="0"/>
+              <a:rPr lang="en-US"/>
               <a:t>Fifth level</a:t>
             </a:r>
             <a:endParaRPr kumimoji="0" lang="en-US"/>
@@ -2091,14 +1850,12 @@
         <p:spPr/>
         <p:txBody>
           <a:bodyPr/>
-          <a:lstStyle>
-            <a:extLst/>
-          </a:lstStyle>
+          <a:lstStyle/>
           <a:p>
             <a:fld id="{1D8BD707-D9CF-40AE-B4C6-C98DA3205C09}" type="datetimeFigureOut">
               <a:rPr lang="en-US" smtClean="0"/>
               <a:pPr/>
-              <a:t>5/28/2015</a:t>
+              <a:t>12/28/19</a:t>
             </a:fld>
             <a:endParaRPr lang="en-US"/>
           </a:p>
@@ -2117,9 +1874,7 @@
         <p:spPr/>
         <p:txBody>
           <a:bodyPr/>
-          <a:lstStyle>
-            <a:extLst/>
-          </a:lstStyle>
+          <a:lstStyle/>
           <a:p>
             <a:endParaRPr lang="en-US"/>
           </a:p>
@@ -2138,14 +1893,12 @@
         <p:spPr/>
         <p:txBody>
           <a:bodyPr/>
-          <a:lstStyle>
-            <a:extLst/>
-          </a:lstStyle>
+          <a:lstStyle/>
           <a:p>
             <a:fld id="{B6F15528-21DE-4FAA-801E-634DDDAF4B2B}" type="slidenum">
               <a:rPr lang="en-US" smtClean="0"/>
               <a:pPr/>
-              <a:t>‹nr.›</a:t>
+              <a:t>‹#›</a:t>
             </a:fld>
             <a:endParaRPr lang="en-US"/>
           </a:p>
@@ -2164,15 +1917,12 @@
         <p:spPr/>
         <p:txBody>
           <a:bodyPr rtlCol="0"/>
-          <a:lstStyle>
-            <a:extLst/>
-          </a:lstStyle>
-          <a:p>
-            <a:r>
-              <a:rPr kumimoji="0" lang="en-US" smtClean="0"/>
+          <a:lstStyle/>
+          <a:p>
+            <a:r>
+              <a:rPr kumimoji="0" lang="en-US"/>
               <a:t>Click to edit Master title style</a:t>
             </a:r>
-            <a:endParaRPr kumimoji="0" lang="en-US"/>
           </a:p>
         </p:txBody>
       </p:sp>
@@ -2250,10 +2000,9 @@
           </a:lstStyle>
           <a:p>
             <a:r>
-              <a:rPr kumimoji="0" lang="en-US" smtClean="0"/>
+              <a:rPr kumimoji="0" lang="en-US"/>
               <a:t>Click to edit Master title style</a:t>
             </a:r>
-            <a:endParaRPr kumimoji="0" lang="en-US"/>
           </a:p>
         </p:txBody>
       </p:sp>
@@ -2329,7 +2078,7 @@
           <a:p>
             <a:pPr lvl="0" eaLnBrk="1" latinLnBrk="0" hangingPunct="1"/>
             <a:r>
-              <a:rPr kumimoji="0" lang="en-US" smtClean="0"/>
+              <a:rPr kumimoji="0" lang="en-US"/>
               <a:t>Click to edit Master text styles</a:t>
             </a:r>
           </a:p>
@@ -2348,14 +2097,12 @@
         <p:spPr/>
         <p:txBody>
           <a:bodyPr/>
-          <a:lstStyle>
-            <a:extLst/>
-          </a:lstStyle>
+          <a:lstStyle/>
           <a:p>
             <a:fld id="{1D8BD707-D9CF-40AE-B4C6-C98DA3205C09}" type="datetimeFigureOut">
               <a:rPr lang="en-US" smtClean="0"/>
               <a:pPr/>
-              <a:t>5/28/2015</a:t>
+              <a:t>12/28/19</a:t>
             </a:fld>
             <a:endParaRPr lang="en-US"/>
           </a:p>
@@ -2374,9 +2121,7 @@
         <p:spPr/>
         <p:txBody>
           <a:bodyPr/>
-          <a:lstStyle>
-            <a:extLst/>
-          </a:lstStyle>
+          <a:lstStyle/>
           <a:p>
             <a:endParaRPr lang="en-US"/>
           </a:p>
@@ -2395,14 +2140,12 @@
         <p:spPr/>
         <p:txBody>
           <a:bodyPr/>
-          <a:lstStyle>
-            <a:extLst/>
-          </a:lstStyle>
+          <a:lstStyle/>
           <a:p>
             <a:fld id="{B6F15528-21DE-4FAA-801E-634DDDAF4B2B}" type="slidenum">
               <a:rPr lang="en-US" smtClean="0"/>
               <a:pPr/>
-              <a:t>‹nr.›</a:t>
+              <a:t>‹#›</a:t>
             </a:fld>
             <a:endParaRPr lang="en-US"/>
           </a:p>
@@ -2479,9 +2222,7 @@
         </p:style>
         <p:txBody>
           <a:bodyPr anchor="ctr"/>
-          <a:lstStyle>
-            <a:extLst/>
-          </a:lstStyle>
+          <a:lstStyle/>
           <a:p>
             <a:pPr algn="l" eaLnBrk="1" latinLnBrk="0" hangingPunct="1"/>
             <a:endParaRPr kumimoji="0" lang="en-US"/>
@@ -2559,9 +2300,7 @@
         </p:style>
         <p:txBody>
           <a:bodyPr anchor="ctr"/>
-          <a:lstStyle>
-            <a:extLst/>
-          </a:lstStyle>
+          <a:lstStyle/>
           <a:p>
             <a:pPr algn="l" eaLnBrk="1" latinLnBrk="0" hangingPunct="1"/>
             <a:endParaRPr kumimoji="0" lang="en-US"/>
@@ -2637,35 +2376,35 @@
           <a:p>
             <a:pPr lvl="0" eaLnBrk="1" latinLnBrk="0" hangingPunct="1"/>
             <a:r>
-              <a:rPr lang="en-US" smtClean="0"/>
+              <a:rPr lang="en-US"/>
               <a:t>Click to edit Master text styles</a:t>
             </a:r>
           </a:p>
           <a:p>
             <a:pPr lvl="1" eaLnBrk="1" latinLnBrk="0" hangingPunct="1"/>
             <a:r>
-              <a:rPr lang="en-US" smtClean="0"/>
+              <a:rPr lang="en-US"/>
               <a:t>Second level</a:t>
             </a:r>
           </a:p>
           <a:p>
             <a:pPr lvl="2" eaLnBrk="1" latinLnBrk="0" hangingPunct="1"/>
             <a:r>
-              <a:rPr lang="en-US" smtClean="0"/>
+              <a:rPr lang="en-US"/>
               <a:t>Third level</a:t>
             </a:r>
           </a:p>
           <a:p>
             <a:pPr lvl="3" eaLnBrk="1" latinLnBrk="0" hangingPunct="1"/>
             <a:r>
-              <a:rPr lang="en-US" smtClean="0"/>
+              <a:rPr lang="en-US"/>
               <a:t>Fourth level</a:t>
             </a:r>
           </a:p>
           <a:p>
             <a:pPr lvl="4" eaLnBrk="1" latinLnBrk="0" hangingPunct="1"/>
             <a:r>
-              <a:rPr lang="en-US" smtClean="0"/>
+              <a:rPr lang="en-US"/>
               <a:t>Fifth level</a:t>
             </a:r>
             <a:endParaRPr kumimoji="0" lang="en-US"/>
@@ -2711,35 +2450,35 @@
           <a:p>
             <a:pPr lvl="0" eaLnBrk="1" latinLnBrk="0" hangingPunct="1"/>
             <a:r>
-              <a:rPr lang="en-US" smtClean="0"/>
+              <a:rPr lang="en-US"/>
               <a:t>Click to edit Master text styles</a:t>
             </a:r>
           </a:p>
           <a:p>
             <a:pPr lvl="1" eaLnBrk="1" latinLnBrk="0" hangingPunct="1"/>
             <a:r>
-              <a:rPr lang="en-US" smtClean="0"/>
+              <a:rPr lang="en-US"/>
               <a:t>Second level</a:t>
             </a:r>
           </a:p>
           <a:p>
             <a:pPr lvl="2" eaLnBrk="1" latinLnBrk="0" hangingPunct="1"/>
             <a:r>
-              <a:rPr lang="en-US" smtClean="0"/>
+              <a:rPr lang="en-US"/>
               <a:t>Third level</a:t>
             </a:r>
           </a:p>
           <a:p>
             <a:pPr lvl="3" eaLnBrk="1" latinLnBrk="0" hangingPunct="1"/>
             <a:r>
-              <a:rPr lang="en-US" smtClean="0"/>
+              <a:rPr lang="en-US"/>
               <a:t>Fourth level</a:t>
             </a:r>
           </a:p>
           <a:p>
             <a:pPr lvl="4" eaLnBrk="1" latinLnBrk="0" hangingPunct="1"/>
             <a:r>
-              <a:rPr lang="en-US" smtClean="0"/>
+              <a:rPr lang="en-US"/>
               <a:t>Fifth level</a:t>
             </a:r>
             <a:endParaRPr kumimoji="0" lang="en-US"/>
@@ -2759,14 +2498,12 @@
         <p:spPr/>
         <p:txBody>
           <a:bodyPr/>
-          <a:lstStyle>
-            <a:extLst/>
-          </a:lstStyle>
+          <a:lstStyle/>
           <a:p>
             <a:fld id="{1D8BD707-D9CF-40AE-B4C6-C98DA3205C09}" type="datetimeFigureOut">
               <a:rPr lang="en-US" smtClean="0"/>
               <a:pPr/>
-              <a:t>5/28/2015</a:t>
+              <a:t>12/28/19</a:t>
             </a:fld>
             <a:endParaRPr lang="en-US"/>
           </a:p>
@@ -2785,9 +2522,7 @@
         <p:spPr/>
         <p:txBody>
           <a:bodyPr/>
-          <a:lstStyle>
-            <a:extLst/>
-          </a:lstStyle>
+          <a:lstStyle/>
           <a:p>
             <a:endParaRPr lang="en-US"/>
           </a:p>
@@ -2806,14 +2541,12 @@
         <p:spPr/>
         <p:txBody>
           <a:bodyPr/>
-          <a:lstStyle>
-            <a:extLst/>
-          </a:lstStyle>
+          <a:lstStyle/>
           <a:p>
             <a:fld id="{B6F15528-21DE-4FAA-801E-634DDDAF4B2B}" type="slidenum">
               <a:rPr lang="en-US" smtClean="0"/>
               <a:pPr/>
-              <a:t>‹nr.›</a:t>
+              <a:t>‹#›</a:t>
             </a:fld>
             <a:endParaRPr lang="en-US"/>
           </a:p>
@@ -2832,15 +2565,12 @@
         <p:spPr/>
         <p:txBody>
           <a:bodyPr rtlCol="0"/>
-          <a:lstStyle>
-            <a:extLst/>
-          </a:lstStyle>
-          <a:p>
-            <a:r>
-              <a:rPr kumimoji="0" lang="en-US" smtClean="0"/>
+          <a:lstStyle/>
+          <a:p>
+            <a:r>
+              <a:rPr kumimoji="0" lang="en-US"/>
               <a:t>Click to edit Master title style</a:t>
             </a:r>
-            <a:endParaRPr kumimoji="0" lang="en-US"/>
           </a:p>
         </p:txBody>
       </p:sp>
@@ -2900,10 +2630,9 @@
           </a:lstStyle>
           <a:p>
             <a:r>
-              <a:rPr kumimoji="0" lang="en-US" smtClean="0"/>
+              <a:rPr kumimoji="0" lang="en-US"/>
               <a:t>Click to edit Master title style</a:t>
             </a:r>
-            <a:endParaRPr kumimoji="0" lang="en-US"/>
           </a:p>
         </p:txBody>
       </p:sp>
@@ -2964,7 +2693,7 @@
           <a:p>
             <a:pPr lvl="0" eaLnBrk="1" latinLnBrk="0" hangingPunct="1"/>
             <a:r>
-              <a:rPr kumimoji="0" lang="en-US" smtClean="0"/>
+              <a:rPr kumimoji="0" lang="en-US"/>
               <a:t>Click to edit Master text styles</a:t>
             </a:r>
           </a:p>
@@ -3027,7 +2756,7 @@
           <a:p>
             <a:pPr lvl="0" eaLnBrk="1" latinLnBrk="0" hangingPunct="1"/>
             <a:r>
-              <a:rPr kumimoji="0" lang="en-US" smtClean="0"/>
+              <a:rPr kumimoji="0" lang="en-US"/>
               <a:t>Click to edit Master text styles</a:t>
             </a:r>
           </a:p>
@@ -3077,35 +2806,35 @@
           <a:p>
             <a:pPr lvl="0" eaLnBrk="1" latinLnBrk="0" hangingPunct="1"/>
             <a:r>
-              <a:rPr lang="en-US" smtClean="0"/>
+              <a:rPr lang="en-US"/>
               <a:t>Click to edit Master text styles</a:t>
             </a:r>
           </a:p>
           <a:p>
             <a:pPr lvl="1" eaLnBrk="1" latinLnBrk="0" hangingPunct="1"/>
             <a:r>
-              <a:rPr lang="en-US" smtClean="0"/>
+              <a:rPr lang="en-US"/>
               <a:t>Second level</a:t>
             </a:r>
           </a:p>
           <a:p>
             <a:pPr lvl="2" eaLnBrk="1" latinLnBrk="0" hangingPunct="1"/>
             <a:r>
-              <a:rPr lang="en-US" smtClean="0"/>
+              <a:rPr lang="en-US"/>
               <a:t>Third level</a:t>
             </a:r>
           </a:p>
           <a:p>
             <a:pPr lvl="3" eaLnBrk="1" latinLnBrk="0" hangingPunct="1"/>
             <a:r>
-              <a:rPr lang="en-US" smtClean="0"/>
+              <a:rPr lang="en-US"/>
               <a:t>Fourth level</a:t>
             </a:r>
           </a:p>
           <a:p>
             <a:pPr lvl="4" eaLnBrk="1" latinLnBrk="0" hangingPunct="1"/>
             <a:r>
-              <a:rPr lang="en-US" smtClean="0"/>
+              <a:rPr lang="en-US"/>
               <a:t>Fifth level</a:t>
             </a:r>
             <a:endParaRPr kumimoji="0" lang="en-US"/>
@@ -3159,35 +2888,35 @@
           <a:p>
             <a:pPr lvl="0" eaLnBrk="1" latinLnBrk="0" hangingPunct="1"/>
             <a:r>
-              <a:rPr lang="en-US" smtClean="0"/>
+              <a:rPr lang="en-US"/>
               <a:t>Click to edit Master text styles</a:t>
             </a:r>
           </a:p>
           <a:p>
             <a:pPr lvl="1" eaLnBrk="1" latinLnBrk="0" hangingPunct="1"/>
             <a:r>
-              <a:rPr lang="en-US" smtClean="0"/>
+              <a:rPr lang="en-US"/>
               <a:t>Second level</a:t>
             </a:r>
           </a:p>
           <a:p>
             <a:pPr lvl="2" eaLnBrk="1" latinLnBrk="0" hangingPunct="1"/>
             <a:r>
-              <a:rPr lang="en-US" smtClean="0"/>
+              <a:rPr lang="en-US"/>
               <a:t>Third level</a:t>
             </a:r>
           </a:p>
           <a:p>
             <a:pPr lvl="3" eaLnBrk="1" latinLnBrk="0" hangingPunct="1"/>
             <a:r>
-              <a:rPr lang="en-US" smtClean="0"/>
+              <a:rPr lang="en-US"/>
               <a:t>Fourth level</a:t>
             </a:r>
           </a:p>
           <a:p>
             <a:pPr lvl="4" eaLnBrk="1" latinLnBrk="0" hangingPunct="1"/>
             <a:r>
-              <a:rPr lang="en-US" smtClean="0"/>
+              <a:rPr lang="en-US"/>
               <a:t>Fifth level</a:t>
             </a:r>
             <a:endParaRPr kumimoji="0" lang="en-US"/>
@@ -3207,14 +2936,12 @@
         <p:spPr/>
         <p:txBody>
           <a:bodyPr/>
-          <a:lstStyle>
-            <a:extLst/>
-          </a:lstStyle>
+          <a:lstStyle/>
           <a:p>
             <a:fld id="{1D8BD707-D9CF-40AE-B4C6-C98DA3205C09}" type="datetimeFigureOut">
               <a:rPr lang="en-US" smtClean="0"/>
               <a:pPr/>
-              <a:t>5/28/2015</a:t>
+              <a:t>12/28/19</a:t>
             </a:fld>
             <a:endParaRPr lang="en-US"/>
           </a:p>
@@ -3233,9 +2960,7 @@
         <p:spPr/>
         <p:txBody>
           <a:bodyPr/>
-          <a:lstStyle>
-            <a:extLst/>
-          </a:lstStyle>
+          <a:lstStyle/>
           <a:p>
             <a:endParaRPr lang="en-US"/>
           </a:p>
@@ -3254,14 +2979,12 @@
         <p:spPr/>
         <p:txBody>
           <a:bodyPr/>
-          <a:lstStyle>
-            <a:extLst/>
-          </a:lstStyle>
+          <a:lstStyle/>
           <a:p>
             <a:fld id="{B6F15528-21DE-4FAA-801E-634DDDAF4B2B}" type="slidenum">
               <a:rPr lang="en-US" smtClean="0"/>
               <a:pPr/>
-              <a:t>‹nr.›</a:t>
+              <a:t>‹#›</a:t>
             </a:fld>
             <a:endParaRPr lang="en-US"/>
           </a:p>
@@ -3310,14 +3033,12 @@
         <p:spPr/>
         <p:txBody>
           <a:bodyPr/>
-          <a:lstStyle>
-            <a:extLst/>
-          </a:lstStyle>
+          <a:lstStyle/>
           <a:p>
             <a:fld id="{1D8BD707-D9CF-40AE-B4C6-C98DA3205C09}" type="datetimeFigureOut">
               <a:rPr lang="en-US" smtClean="0"/>
               <a:pPr/>
-              <a:t>5/28/2015</a:t>
+              <a:t>12/28/19</a:t>
             </a:fld>
             <a:endParaRPr lang="en-US"/>
           </a:p>
@@ -3336,9 +3057,7 @@
         <p:spPr/>
         <p:txBody>
           <a:bodyPr/>
-          <a:lstStyle>
-            <a:extLst/>
-          </a:lstStyle>
+          <a:lstStyle/>
           <a:p>
             <a:endParaRPr lang="en-US"/>
           </a:p>
@@ -3357,14 +3076,12 @@
         <p:spPr/>
         <p:txBody>
           <a:bodyPr/>
-          <a:lstStyle>
-            <a:extLst/>
-          </a:lstStyle>
+          <a:lstStyle/>
           <a:p>
             <a:fld id="{B6F15528-21DE-4FAA-801E-634DDDAF4B2B}" type="slidenum">
               <a:rPr lang="en-US" smtClean="0"/>
               <a:pPr/>
-              <a:t>‹nr.›</a:t>
+              <a:t>‹#›</a:t>
             </a:fld>
             <a:endParaRPr lang="en-US"/>
           </a:p>
@@ -3383,15 +3100,12 @@
         <p:spPr/>
         <p:txBody>
           <a:bodyPr rtlCol="0"/>
-          <a:lstStyle>
-            <a:extLst/>
-          </a:lstStyle>
-          <a:p>
-            <a:r>
-              <a:rPr kumimoji="0" lang="en-US" smtClean="0"/>
+          <a:lstStyle/>
+          <a:p>
+            <a:r>
+              <a:rPr kumimoji="0" lang="en-US"/>
               <a:t>Click to edit Master title style</a:t>
             </a:r>
-            <a:endParaRPr kumimoji="0" lang="en-US"/>
           </a:p>
         </p:txBody>
       </p:sp>
@@ -3433,14 +3147,12 @@
         <p:spPr/>
         <p:txBody>
           <a:bodyPr/>
-          <a:lstStyle>
-            <a:extLst/>
-          </a:lstStyle>
+          <a:lstStyle/>
           <a:p>
             <a:fld id="{1D8BD707-D9CF-40AE-B4C6-C98DA3205C09}" type="datetimeFigureOut">
               <a:rPr lang="en-US" smtClean="0"/>
               <a:pPr/>
-              <a:t>5/28/2015</a:t>
+              <a:t>12/28/19</a:t>
             </a:fld>
             <a:endParaRPr lang="en-US"/>
           </a:p>
@@ -3459,9 +3171,7 @@
         <p:spPr/>
         <p:txBody>
           <a:bodyPr/>
-          <a:lstStyle>
-            <a:extLst/>
-          </a:lstStyle>
+          <a:lstStyle/>
           <a:p>
             <a:endParaRPr lang="en-US"/>
           </a:p>
@@ -3480,14 +3190,12 @@
         <p:spPr/>
         <p:txBody>
           <a:bodyPr/>
-          <a:lstStyle>
-            <a:extLst/>
-          </a:lstStyle>
+          <a:lstStyle/>
           <a:p>
             <a:fld id="{B6F15528-21DE-4FAA-801E-634DDDAF4B2B}" type="slidenum">
               <a:rPr lang="en-US" smtClean="0"/>
               <a:pPr/>
-              <a:t>‹nr.›</a:t>
+              <a:t>‹#›</a:t>
             </a:fld>
             <a:endParaRPr lang="en-US"/>
           </a:p>
@@ -3560,10 +3268,9 @@
           </a:lstStyle>
           <a:p>
             <a:r>
-              <a:rPr kumimoji="0" lang="en-US" smtClean="0"/>
+              <a:rPr kumimoji="0" lang="en-US"/>
               <a:t>Click to edit Master title style</a:t>
             </a:r>
-            <a:endParaRPr kumimoji="0" lang="en-US"/>
           </a:p>
         </p:txBody>
       </p:sp>
@@ -3611,7 +3318,7 @@
           <a:p>
             <a:pPr lvl="0" eaLnBrk="1" latinLnBrk="0" hangingPunct="1"/>
             <a:r>
-              <a:rPr kumimoji="0" lang="en-US" smtClean="0"/>
+              <a:rPr kumimoji="0" lang="en-US"/>
               <a:t>Click to edit Master text styles</a:t>
             </a:r>
           </a:p>
@@ -3656,35 +3363,35 @@
           <a:p>
             <a:pPr lvl="0" eaLnBrk="1" latinLnBrk="0" hangingPunct="1"/>
             <a:r>
-              <a:rPr lang="en-US" smtClean="0"/>
+              <a:rPr lang="en-US"/>
               <a:t>Click to edit Master text styles</a:t>
             </a:r>
           </a:p>
           <a:p>
             <a:pPr lvl="1" eaLnBrk="1" latinLnBrk="0" hangingPunct="1"/>
             <a:r>
-              <a:rPr lang="en-US" smtClean="0"/>
+              <a:rPr lang="en-US"/>
               <a:t>Second level</a:t>
             </a:r>
           </a:p>
           <a:p>
             <a:pPr lvl="2" eaLnBrk="1" latinLnBrk="0" hangingPunct="1"/>
             <a:r>
-              <a:rPr lang="en-US" smtClean="0"/>
+              <a:rPr lang="en-US"/>
               <a:t>Third level</a:t>
             </a:r>
           </a:p>
           <a:p>
             <a:pPr lvl="3" eaLnBrk="1" latinLnBrk="0" hangingPunct="1"/>
             <a:r>
-              <a:rPr lang="en-US" smtClean="0"/>
+              <a:rPr lang="en-US"/>
               <a:t>Fourth level</a:t>
             </a:r>
           </a:p>
           <a:p>
             <a:pPr lvl="4" eaLnBrk="1" latinLnBrk="0" hangingPunct="1"/>
             <a:r>
-              <a:rPr lang="en-US" smtClean="0"/>
+              <a:rPr lang="en-US"/>
               <a:t>Fifth level</a:t>
             </a:r>
             <a:endParaRPr kumimoji="0" lang="en-US"/>
@@ -3709,14 +3416,12 @@
         </p:spPr>
         <p:txBody>
           <a:bodyPr/>
-          <a:lstStyle>
-            <a:extLst/>
-          </a:lstStyle>
+          <a:lstStyle/>
           <a:p>
             <a:fld id="{1D8BD707-D9CF-40AE-B4C6-C98DA3205C09}" type="datetimeFigureOut">
               <a:rPr lang="en-US" smtClean="0"/>
               <a:pPr/>
-              <a:t>5/28/2015</a:t>
+              <a:t>12/28/19</a:t>
             </a:fld>
             <a:endParaRPr lang="en-US"/>
           </a:p>
@@ -3735,9 +3440,7 @@
         <p:spPr/>
         <p:txBody>
           <a:bodyPr/>
-          <a:lstStyle>
-            <a:extLst/>
-          </a:lstStyle>
+          <a:lstStyle/>
           <a:p>
             <a:endParaRPr lang="en-US"/>
           </a:p>
@@ -3756,14 +3459,12 @@
         <p:spPr/>
         <p:txBody>
           <a:bodyPr/>
-          <a:lstStyle>
-            <a:extLst/>
-          </a:lstStyle>
+          <a:lstStyle/>
           <a:p>
             <a:fld id="{B6F15528-21DE-4FAA-801E-634DDDAF4B2B}" type="slidenum">
               <a:rPr lang="en-US" smtClean="0"/>
               <a:pPr/>
-              <a:t>‹nr.›</a:t>
+              <a:t>‹#›</a:t>
             </a:fld>
             <a:endParaRPr lang="en-US"/>
           </a:p>
@@ -3840,7 +3541,7 @@
           <a:p>
             <a:pPr lvl="0" eaLnBrk="1" latinLnBrk="0" hangingPunct="1"/>
             <a:r>
-              <a:rPr kumimoji="0" lang="en-US" smtClean="0"/>
+              <a:rPr kumimoji="0" lang="en-US"/>
               <a:t>Click to edit Master text styles</a:t>
             </a:r>
           </a:p>
@@ -3889,7 +3590,7 @@
           </a:lstStyle>
           <a:p>
             <a:r>
-              <a:rPr kumimoji="0" lang="en-US" smtClean="0"/>
+              <a:rPr kumimoji="0" lang="en-US"/>
               <a:t>Click icon to add picture</a:t>
             </a:r>
             <a:endParaRPr kumimoji="0" lang="en-US" dirty="0"/>
@@ -3923,7 +3624,7 @@
             <a:fld id="{1D8BD707-D9CF-40AE-B4C6-C98DA3205C09}" type="datetimeFigureOut">
               <a:rPr lang="en-US" smtClean="0"/>
               <a:pPr/>
-              <a:t>5/28/2015</a:t>
+              <a:t>12/28/19</a:t>
             </a:fld>
             <a:endParaRPr lang="en-US"/>
           </a:p>
@@ -3989,7 +3690,7 @@
             <a:fld id="{B6F15528-21DE-4FAA-801E-634DDDAF4B2B}" type="slidenum">
               <a:rPr lang="en-US" smtClean="0"/>
               <a:pPr/>
-              <a:t>‹nr.›</a:t>
+              <a:t>‹#›</a:t>
             </a:fld>
             <a:endParaRPr lang="en-US"/>
           </a:p>
@@ -4036,10 +3737,9 @@
           </a:lstStyle>
           <a:p>
             <a:r>
-              <a:rPr kumimoji="0" lang="en-US" smtClean="0"/>
+              <a:rPr kumimoji="0" lang="en-US"/>
               <a:t>Click to edit Master title style</a:t>
             </a:r>
-            <a:endParaRPr kumimoji="0" lang="en-US"/>
           </a:p>
         </p:txBody>
       </p:sp>
@@ -4119,9 +3819,7 @@
         </p:spPr>
         <p:txBody>
           <a:bodyPr vert="horz" wrap="square" lIns="91440" tIns="45720" rIns="91440" bIns="45720" anchor="t" compatLnSpc="1"/>
-          <a:lstStyle>
-            <a:extLst/>
-          </a:lstStyle>
+          <a:lstStyle/>
           <a:p>
             <a:endParaRPr kumimoji="0" lang="en-US"/>
           </a:p>
@@ -4201,9 +3899,7 @@
         </p:spPr>
         <p:txBody>
           <a:bodyPr vert="horz" wrap="square" lIns="91440" tIns="45720" rIns="91440" bIns="45720" anchor="t" compatLnSpc="1"/>
-          <a:lstStyle>
-            <a:extLst/>
-          </a:lstStyle>
+          <a:lstStyle/>
           <a:p>
             <a:endParaRPr kumimoji="0" lang="en-US"/>
           </a:p>
@@ -4311,9 +4007,7 @@
         </p:style>
         <p:txBody>
           <a:bodyPr vert="horz" wrap="square" lIns="91440" tIns="45720" rIns="91440" bIns="45720" anchor="ctr" compatLnSpc="1"/>
-          <a:lstStyle>
-            <a:extLst/>
-          </a:lstStyle>
+          <a:lstStyle/>
           <a:p>
             <a:pPr algn="ctr" eaLnBrk="1" latinLnBrk="0" hangingPunct="1"/>
             <a:endParaRPr kumimoji="0" lang="en-US"/>
@@ -4444,9 +4138,7 @@
         </p:style>
         <p:txBody>
           <a:bodyPr anchor="ctr"/>
-          <a:lstStyle>
-            <a:extLst/>
-          </a:lstStyle>
+          <a:lstStyle/>
           <a:p>
             <a:pPr algn="l" eaLnBrk="1" latinLnBrk="0" hangingPunct="1"/>
             <a:endParaRPr kumimoji="0" lang="en-US"/>
@@ -4524,9 +4216,7 @@
         </p:style>
         <p:txBody>
           <a:bodyPr anchor="ctr"/>
-          <a:lstStyle>
-            <a:extLst/>
-          </a:lstStyle>
+          <a:lstStyle/>
           <a:p>
             <a:pPr algn="l" eaLnBrk="1" latinLnBrk="0" hangingPunct="1"/>
             <a:endParaRPr kumimoji="0" lang="en-US"/>
@@ -4639,9 +4329,7 @@
         </p:spPr>
         <p:txBody>
           <a:bodyPr vert="horz" wrap="square" lIns="91440" tIns="45720" rIns="91440" bIns="45720" anchor="t" compatLnSpc="1"/>
-          <a:lstStyle>
-            <a:extLst/>
-          </a:lstStyle>
+          <a:lstStyle/>
           <a:p>
             <a:endParaRPr kumimoji="0" lang="en-US"/>
           </a:p>
@@ -4721,9 +4409,7 @@
         </p:spPr>
         <p:txBody>
           <a:bodyPr vert="horz" wrap="square" lIns="91440" tIns="45720" rIns="91440" bIns="45720" anchor="t" compatLnSpc="1"/>
-          <a:lstStyle>
-            <a:extLst/>
-          </a:lstStyle>
+          <a:lstStyle/>
           <a:p>
             <a:endParaRPr kumimoji="0" lang="en-US"/>
           </a:p>
@@ -4831,9 +4517,7 @@
         </p:style>
         <p:txBody>
           <a:bodyPr vert="horz" wrap="square" lIns="91440" tIns="45720" rIns="91440" bIns="45720" anchor="ctr" compatLnSpc="1"/>
-          <a:lstStyle>
-            <a:extLst/>
-          </a:lstStyle>
+          <a:lstStyle/>
           <a:p>
             <a:pPr algn="ctr" eaLnBrk="1" latinLnBrk="0" hangingPunct="1"/>
             <a:endParaRPr kumimoji="0" lang="en-US"/>
@@ -4923,15 +4607,12 @@
               <a:bevelT w="25400" h="25400"/>
             </a:sp3d>
           </a:bodyPr>
-          <a:lstStyle>
-            <a:extLst/>
-          </a:lstStyle>
-          <a:p>
-            <a:r>
-              <a:rPr kumimoji="0" lang="en-US" smtClean="0"/>
+          <a:lstStyle/>
+          <a:p>
+            <a:r>
+              <a:rPr kumimoji="0" lang="en-US"/>
               <a:t>Click to edit Master title style</a:t>
             </a:r>
-            <a:endParaRPr kumimoji="0" lang="en-US"/>
           </a:p>
         </p:txBody>
       </p:sp>
@@ -4958,44 +4639,41 @@
           <a:bodyPr vert="horz">
             <a:normAutofit/>
           </a:bodyPr>
-          <a:lstStyle>
-            <a:extLst/>
-          </a:lstStyle>
+          <a:lstStyle/>
           <a:p>
             <a:pPr lvl="0" eaLnBrk="1" latinLnBrk="0" hangingPunct="1"/>
             <a:r>
-              <a:rPr kumimoji="0" lang="en-US" smtClean="0"/>
+              <a:rPr kumimoji="0" lang="en-US"/>
               <a:t>Click to edit Master text styles</a:t>
             </a:r>
           </a:p>
           <a:p>
             <a:pPr lvl="1" eaLnBrk="1" latinLnBrk="0" hangingPunct="1"/>
             <a:r>
-              <a:rPr kumimoji="0" lang="en-US" smtClean="0"/>
+              <a:rPr kumimoji="0" lang="en-US"/>
               <a:t>Second level</a:t>
             </a:r>
           </a:p>
           <a:p>
             <a:pPr lvl="2" eaLnBrk="1" latinLnBrk="0" hangingPunct="1"/>
             <a:r>
-              <a:rPr kumimoji="0" lang="en-US" smtClean="0"/>
+              <a:rPr kumimoji="0" lang="en-US"/>
               <a:t>Third level</a:t>
             </a:r>
           </a:p>
           <a:p>
             <a:pPr lvl="3" eaLnBrk="1" latinLnBrk="0" hangingPunct="1"/>
             <a:r>
-              <a:rPr kumimoji="0" lang="en-US" smtClean="0"/>
+              <a:rPr kumimoji="0" lang="en-US"/>
               <a:t>Fourth level</a:t>
             </a:r>
           </a:p>
           <a:p>
             <a:pPr lvl="4" eaLnBrk="1" latinLnBrk="0" hangingPunct="1"/>
             <a:r>
-              <a:rPr kumimoji="0" lang="en-US" smtClean="0"/>
+              <a:rPr kumimoji="0" lang="en-US"/>
               <a:t>Fifth level</a:t>
             </a:r>
-            <a:endParaRPr kumimoji="0" lang="en-US"/>
           </a:p>
         </p:txBody>
       </p:sp>
@@ -5034,7 +4712,7 @@
             <a:fld id="{1D8BD707-D9CF-40AE-B4C6-C98DA3205C09}" type="datetimeFigureOut">
               <a:rPr lang="en-US" smtClean="0"/>
               <a:pPr/>
-              <a:t>5/28/2015</a:t>
+              <a:t>12/28/19</a:t>
             </a:fld>
             <a:endParaRPr lang="en-US"/>
           </a:p>
@@ -5111,7 +4789,7 @@
             <a:fld id="{B6F15528-21DE-4FAA-801E-634DDDAF4B2B}" type="slidenum">
               <a:rPr lang="en-US" smtClean="0"/>
               <a:pPr/>
-              <a:t>‹nr.›</a:t>
+              <a:t>‹#›</a:t>
             </a:fld>
             <a:endParaRPr lang="en-US"/>
           </a:p>
@@ -5465,14 +5143,13 @@
           <a:lstStyle/>
           <a:p>
             <a:r>
-              <a:rPr lang="en-US" sz="4000" dirty="0" err="1" smtClean="0"/>
+              <a:rPr lang="en-US" sz="4000" dirty="0" err="1"/>
               <a:t>Oriëntatie</a:t>
             </a:r>
             <a:r>
-              <a:rPr lang="en-US" sz="4000" dirty="0" smtClean="0"/>
+              <a:rPr lang="en-US" sz="4000" dirty="0"/>
               <a:t> ICT &amp; Software Engineering (OIS)</a:t>
             </a:r>
-            <a:endParaRPr lang="en-US" sz="4000" dirty="0"/>
           </a:p>
         </p:txBody>
       </p:sp>
@@ -5481,13 +5158,6 @@
   <p:clrMapOvr>
     <a:masterClrMapping/>
   </p:clrMapOvr>
-  <p:timing>
-    <p:tnLst>
-      <p:par>
-        <p:cTn id="1" dur="indefinite" restart="never" nodeType="tmRoot"/>
-      </p:par>
-    </p:tnLst>
-  </p:timing>
 </p:sld>
 </file>
 
@@ -5524,14 +5194,14 @@
           <a:lstStyle/>
           <a:p>
             <a:r>
-              <a:rPr lang="en-US" dirty="0" err="1" smtClean="0"/>
+              <a:rPr lang="en-US" dirty="0" err="1"/>
               <a:t>Keuzestructuren</a:t>
             </a:r>
-            <a:endParaRPr lang="en-US" dirty="0" smtClean="0"/>
-          </a:p>
-          <a:p>
-            <a:r>
-              <a:rPr lang="en-US" smtClean="0"/>
+            <a:endParaRPr lang="en-US" dirty="0"/>
+          </a:p>
+          <a:p>
+            <a:r>
+              <a:rPr lang="en-US"/>
               <a:t>Klasse</a:t>
             </a:r>
             <a:r>
@@ -5539,43 +5209,39 @@
               <a:t>n</a:t>
             </a:r>
             <a:r>
-              <a:rPr lang="en-US" smtClean="0"/>
+              <a:rPr lang="en-US"/>
               <a:t>structuur</a:t>
             </a:r>
-            <a:endParaRPr lang="en-US" dirty="0" smtClean="0"/>
-          </a:p>
-          <a:p>
-            <a:r>
-              <a:rPr lang="en-US" dirty="0" smtClean="0"/>
+            <a:endParaRPr lang="en-US" dirty="0"/>
+          </a:p>
+          <a:p>
+            <a:r>
+              <a:rPr lang="en-US" dirty="0"/>
               <a:t>Object </a:t>
             </a:r>
             <a:r>
-              <a:rPr lang="en-US" dirty="0" err="1" smtClean="0"/>
+              <a:rPr lang="en-US" dirty="0" err="1"/>
               <a:t>aanmaken</a:t>
             </a:r>
             <a:r>
-              <a:rPr lang="en-US" dirty="0" smtClean="0"/>
+              <a:rPr lang="en-US" dirty="0"/>
               <a:t> </a:t>
             </a:r>
             <a:r>
-              <a:rPr lang="en-US" err="1" smtClean="0"/>
+              <a:rPr lang="en-US" err="1"/>
               <a:t>tijdens</a:t>
             </a:r>
             <a:r>
-              <a:rPr lang="en-US" smtClean="0"/>
-              <a:t> </a:t>
-            </a:r>
-            <a:r>
-              <a:rPr lang="en-US" smtClean="0"/>
-              <a:t>runtime.</a:t>
-            </a:r>
-            <a:endParaRPr lang="en-US" dirty="0" smtClean="0"/>
+              <a:rPr lang="en-US"/>
+              <a:t> runtime.</a:t>
+            </a:r>
+            <a:endParaRPr lang="en-US" dirty="0"/>
           </a:p>
           <a:p>
             <a:pPr>
               <a:buNone/>
             </a:pPr>
-            <a:endParaRPr lang="en-US" dirty="0" smtClean="0"/>
+            <a:endParaRPr lang="en-US" dirty="0"/>
           </a:p>
         </p:txBody>
       </p:sp>
@@ -5595,7 +5261,7 @@
           <a:lstStyle/>
           <a:p>
             <a:r>
-              <a:rPr lang="en-US" dirty="0" err="1" smtClean="0"/>
+              <a:rPr lang="en-US" dirty="0" err="1"/>
               <a:t>Programma</a:t>
             </a:r>
             <a:endParaRPr lang="en-US" dirty="0"/>
@@ -5607,13 +5273,6 @@
   <p:clrMapOvr>
     <a:masterClrMapping/>
   </p:clrMapOvr>
-  <p:timing>
-    <p:tnLst>
-      <p:par>
-        <p:cTn id="1" dur="indefinite" restart="never" nodeType="tmRoot"/>
-      </p:par>
-    </p:tnLst>
-  </p:timing>
 </p:sld>
 </file>
 
@@ -5650,22 +5309,21 @@
           <a:lstStyle/>
           <a:p>
             <a:r>
-              <a:rPr lang="en-US" dirty="0" err="1" smtClean="0"/>
+              <a:rPr lang="en-US" dirty="0" err="1"/>
               <a:t>Keuzestructuur</a:t>
             </a:r>
             <a:r>
-              <a:rPr lang="en-US" dirty="0" smtClean="0"/>
+              <a:rPr lang="en-US" dirty="0"/>
               <a:t> (</a:t>
             </a:r>
             <a:r>
-              <a:rPr lang="en-US" dirty="0" err="1" smtClean="0"/>
+              <a:rPr lang="en-US" dirty="0" err="1"/>
               <a:t>selectie</a:t>
             </a:r>
             <a:r>
-              <a:rPr lang="en-US" dirty="0" smtClean="0"/>
+              <a:rPr lang="en-US" dirty="0"/>
               <a:t>)</a:t>
             </a:r>
-            <a:endParaRPr lang="en-US" dirty="0"/>
           </a:p>
         </p:txBody>
       </p:sp>
@@ -5695,35 +5353,35 @@
               <a:buNone/>
             </a:pPr>
             <a:r>
-              <a:rPr lang="en-US" sz="2400" dirty="0" err="1" smtClean="0"/>
+              <a:rPr lang="en-US" sz="2400" dirty="0" err="1"/>
               <a:t>Voorbeelden</a:t>
             </a:r>
             <a:r>
-              <a:rPr lang="en-US" sz="2400" dirty="0" smtClean="0"/>
+              <a:rPr lang="en-US" sz="2400" dirty="0"/>
               <a:t> </a:t>
             </a:r>
             <a:r>
-              <a:rPr lang="en-US" sz="2400" dirty="0" err="1" smtClean="0"/>
+              <a:rPr lang="en-US" sz="2400" dirty="0" err="1"/>
               <a:t>uit</a:t>
             </a:r>
             <a:r>
-              <a:rPr lang="en-US" sz="2400" dirty="0" smtClean="0"/>
+              <a:rPr lang="en-US" sz="2400" dirty="0"/>
               <a:t> het </a:t>
             </a:r>
             <a:r>
-              <a:rPr lang="en-US" sz="2400" dirty="0" err="1" smtClean="0"/>
+              <a:rPr lang="en-US" sz="2400" dirty="0" err="1"/>
               <a:t>dagelijks</a:t>
             </a:r>
             <a:r>
-              <a:rPr lang="en-US" sz="2400" dirty="0" smtClean="0"/>
+              <a:rPr lang="en-US" sz="2400" dirty="0"/>
               <a:t> </a:t>
             </a:r>
             <a:r>
-              <a:rPr lang="en-US" sz="2400" dirty="0" err="1" smtClean="0"/>
+              <a:rPr lang="en-US" sz="2400" dirty="0" err="1"/>
               <a:t>leven</a:t>
             </a:r>
             <a:r>
-              <a:rPr lang="en-US" sz="2400" dirty="0" smtClean="0"/>
+              <a:rPr lang="en-US" sz="2400" dirty="0"/>
               <a:t>:</a:t>
             </a:r>
           </a:p>
@@ -5954,22 +5612,21 @@
           <a:lstStyle/>
           <a:p>
             <a:r>
-              <a:rPr lang="en-US" dirty="0" err="1" smtClean="0"/>
+              <a:rPr lang="en-US" dirty="0" err="1"/>
               <a:t>Keuzestructuur</a:t>
             </a:r>
             <a:r>
-              <a:rPr lang="en-US" dirty="0" smtClean="0"/>
+              <a:rPr lang="en-US" dirty="0"/>
               <a:t> (</a:t>
             </a:r>
             <a:r>
-              <a:rPr lang="en-US" dirty="0" err="1" smtClean="0"/>
+              <a:rPr lang="en-US" dirty="0" err="1"/>
               <a:t>selectie</a:t>
             </a:r>
             <a:r>
-              <a:rPr lang="en-US" dirty="0" smtClean="0"/>
+              <a:rPr lang="en-US" dirty="0"/>
               <a:t>)</a:t>
             </a:r>
-            <a:endParaRPr lang="en-US" dirty="0"/>
           </a:p>
         </p:txBody>
       </p:sp>
@@ -5999,35 +5656,35 @@
               <a:buNone/>
             </a:pPr>
             <a:r>
-              <a:rPr lang="en-US" sz="2400" dirty="0" err="1" smtClean="0"/>
+              <a:rPr lang="en-US" sz="2400" dirty="0" err="1"/>
               <a:t>Voorbeelden</a:t>
             </a:r>
             <a:r>
-              <a:rPr lang="en-US" sz="2400" dirty="0" smtClean="0"/>
+              <a:rPr lang="en-US" sz="2400" dirty="0"/>
               <a:t> </a:t>
             </a:r>
             <a:r>
-              <a:rPr lang="en-US" sz="2400" dirty="0" err="1" smtClean="0"/>
+              <a:rPr lang="en-US" sz="2400" dirty="0" err="1"/>
               <a:t>uit</a:t>
             </a:r>
             <a:r>
-              <a:rPr lang="en-US" sz="2400" dirty="0" smtClean="0"/>
+              <a:rPr lang="en-US" sz="2400" dirty="0"/>
               <a:t> het </a:t>
             </a:r>
             <a:r>
-              <a:rPr lang="en-US" sz="2400" dirty="0" err="1" smtClean="0"/>
+              <a:rPr lang="en-US" sz="2400" dirty="0" err="1"/>
               <a:t>dagelijks</a:t>
             </a:r>
             <a:r>
-              <a:rPr lang="en-US" sz="2400" dirty="0" smtClean="0"/>
+              <a:rPr lang="en-US" sz="2400" dirty="0"/>
               <a:t> </a:t>
             </a:r>
             <a:r>
-              <a:rPr lang="en-US" sz="2400" dirty="0" err="1" smtClean="0"/>
+              <a:rPr lang="en-US" sz="2400" dirty="0" err="1"/>
               <a:t>leven</a:t>
             </a:r>
             <a:r>
-              <a:rPr lang="en-US" sz="2400" dirty="0" smtClean="0"/>
+              <a:rPr lang="en-US" sz="2400" dirty="0"/>
               <a:t>:</a:t>
             </a:r>
           </a:p>
@@ -6070,533 +5727,6 @@
   <p:clrMapOvr>
     <a:masterClrMapping/>
   </p:clrMapOvr>
-  <p:timing>
-    <p:tnLst>
-      <p:par>
-        <p:cTn id="1" dur="indefinite" restart="never" nodeType="tmRoot"/>
-      </p:par>
-    </p:tnLst>
-  </p:timing>
-</p:sld>
-</file>
-
-<file path=ppt/slides/slide5.xml><?xml version="1.0" encoding="utf-8"?>
-<p:sld xmlns:a="http://schemas.openxmlformats.org/drawingml/2006/main" xmlns:r="http://schemas.openxmlformats.org/officeDocument/2006/relationships" xmlns:p="http://schemas.openxmlformats.org/presentationml/2006/main">
-  <p:cSld>
-    <p:spTree>
-      <p:nvGrpSpPr>
-        <p:cNvPr id="1" name=""/>
-        <p:cNvGrpSpPr/>
-        <p:nvPr/>
-      </p:nvGrpSpPr>
-      <p:grpSpPr>
-        <a:xfrm>
-          <a:off x="0" y="0"/>
-          <a:ext cx="0" cy="0"/>
-          <a:chOff x="0" y="0"/>
-          <a:chExt cx="0" cy="0"/>
-        </a:xfrm>
-      </p:grpSpPr>
-      <p:sp>
-        <p:nvSpPr>
-          <p:cNvPr id="3" name="Content Placeholder 2"/>
-          <p:cNvSpPr>
-            <a:spLocks noGrp="1"/>
-          </p:cNvSpPr>
-          <p:nvPr>
-            <p:ph idx="1"/>
-          </p:nvPr>
-        </p:nvSpPr>
-        <p:spPr/>
-        <p:txBody>
-          <a:bodyPr/>
-          <a:lstStyle/>
-          <a:p>
-            <a:pPr>
-              <a:buNone/>
-            </a:pPr>
-            <a:r>
-              <a:rPr lang="en-US" dirty="0" smtClean="0"/>
-              <a:t>Focus:</a:t>
-            </a:r>
-          </a:p>
-          <a:p>
-            <a:r>
-              <a:rPr lang="en-US" dirty="0" err="1" smtClean="0"/>
-              <a:t>Kijken</a:t>
-            </a:r>
-            <a:r>
-              <a:rPr lang="en-US" dirty="0" smtClean="0"/>
-              <a:t> hoe </a:t>
-            </a:r>
-            <a:r>
-              <a:rPr lang="en-US" dirty="0" err="1" smtClean="0"/>
-              <a:t>een</a:t>
-            </a:r>
-            <a:r>
-              <a:rPr lang="en-US" dirty="0" smtClean="0"/>
-              <a:t> </a:t>
-            </a:r>
-            <a:r>
-              <a:rPr lang="en-US" dirty="0" err="1" smtClean="0"/>
-              <a:t>Klasse</a:t>
-            </a:r>
-            <a:r>
-              <a:rPr lang="en-US" dirty="0" smtClean="0"/>
-              <a:t> </a:t>
-            </a:r>
-            <a:r>
-              <a:rPr lang="en-US" dirty="0" err="1" smtClean="0"/>
-              <a:t>eruit</a:t>
-            </a:r>
-            <a:r>
-              <a:rPr lang="en-US" dirty="0" smtClean="0"/>
-              <a:t> </a:t>
-            </a:r>
-            <a:r>
-              <a:rPr lang="en-US" dirty="0" err="1" smtClean="0"/>
-              <a:t>ziet</a:t>
-            </a:r>
-            <a:r>
-              <a:rPr lang="en-US" dirty="0" smtClean="0"/>
-              <a:t> (</a:t>
-            </a:r>
-            <a:r>
-              <a:rPr lang="en-US" smtClean="0"/>
-              <a:t>Form</a:t>
-            </a:r>
-            <a:r>
-              <a:rPr lang="en-US" smtClean="0"/>
-              <a:t>)</a:t>
-            </a:r>
-            <a:endParaRPr lang="en-US" dirty="0" smtClean="0"/>
-          </a:p>
-          <a:p>
-            <a:r>
-              <a:rPr lang="en-US" smtClean="0"/>
-              <a:t>Stukje </a:t>
-            </a:r>
-            <a:r>
-              <a:rPr lang="en-US" dirty="0" smtClean="0"/>
-              <a:t>code </a:t>
-            </a:r>
-            <a:r>
-              <a:rPr lang="en-US" dirty="0" err="1" smtClean="0"/>
-              <a:t>uitvoeren</a:t>
-            </a:r>
-            <a:r>
-              <a:rPr lang="en-US" dirty="0" smtClean="0"/>
-              <a:t> </a:t>
-            </a:r>
-            <a:r>
-              <a:rPr lang="en-US" dirty="0" err="1" smtClean="0"/>
-              <a:t>als</a:t>
-            </a:r>
-            <a:r>
-              <a:rPr lang="en-US" dirty="0" smtClean="0"/>
-              <a:t> </a:t>
-            </a:r>
-            <a:r>
-              <a:rPr lang="en-US" dirty="0" err="1" smtClean="0"/>
-              <a:t>iets</a:t>
-            </a:r>
-            <a:r>
-              <a:rPr lang="en-US" dirty="0" smtClean="0"/>
-              <a:t> “</a:t>
-            </a:r>
-            <a:r>
-              <a:rPr lang="en-US" dirty="0" err="1" smtClean="0"/>
-              <a:t>waar</a:t>
-            </a:r>
-            <a:r>
-              <a:rPr lang="en-US" dirty="0" smtClean="0"/>
-              <a:t>” is.</a:t>
-            </a:r>
-          </a:p>
-          <a:p>
-            <a:endParaRPr lang="en-US" dirty="0" smtClean="0"/>
-          </a:p>
-          <a:p>
-            <a:pPr>
-              <a:buNone/>
-            </a:pPr>
-            <a:endParaRPr lang="en-US" dirty="0" smtClean="0"/>
-          </a:p>
-        </p:txBody>
-      </p:sp>
-      <p:sp>
-        <p:nvSpPr>
-          <p:cNvPr id="6" name="Title 1"/>
-          <p:cNvSpPr>
-            <a:spLocks noGrp="1"/>
-          </p:cNvSpPr>
-          <p:nvPr>
-            <p:ph type="title"/>
-          </p:nvPr>
-        </p:nvSpPr>
-        <p:spPr/>
-        <p:txBody>
-          <a:bodyPr/>
-          <a:lstStyle/>
-          <a:p>
-            <a:r>
-              <a:rPr lang="en-US" dirty="0" smtClean="0"/>
-              <a:t>Demo</a:t>
-            </a:r>
-            <a:endParaRPr lang="en-US" dirty="0"/>
-          </a:p>
-        </p:txBody>
-      </p:sp>
-    </p:spTree>
-  </p:cSld>
-  <p:clrMapOvr>
-    <a:masterClrMapping/>
-  </p:clrMapOvr>
-  <p:timing>
-    <p:tnLst>
-      <p:par>
-        <p:cTn id="1" dur="indefinite" restart="never" nodeType="tmRoot"/>
-      </p:par>
-    </p:tnLst>
-  </p:timing>
-</p:sld>
-</file>
-
-<file path=ppt/slides/slide6.xml><?xml version="1.0" encoding="utf-8"?>
-<p:sld xmlns:a="http://schemas.openxmlformats.org/drawingml/2006/main" xmlns:r="http://schemas.openxmlformats.org/officeDocument/2006/relationships" xmlns:p="http://schemas.openxmlformats.org/presentationml/2006/main">
-  <p:cSld>
-    <p:spTree>
-      <p:nvGrpSpPr>
-        <p:cNvPr id="1" name=""/>
-        <p:cNvGrpSpPr/>
-        <p:nvPr/>
-      </p:nvGrpSpPr>
-      <p:grpSpPr>
-        <a:xfrm>
-          <a:off x="0" y="0"/>
-          <a:ext cx="0" cy="0"/>
-          <a:chOff x="0" y="0"/>
-          <a:chExt cx="0" cy="0"/>
-        </a:xfrm>
-      </p:grpSpPr>
-      <p:sp>
-        <p:nvSpPr>
-          <p:cNvPr id="2" name="Title 1"/>
-          <p:cNvSpPr>
-            <a:spLocks noGrp="1"/>
-          </p:cNvSpPr>
-          <p:nvPr>
-            <p:ph type="title"/>
-          </p:nvPr>
-        </p:nvSpPr>
-        <p:spPr/>
-        <p:txBody>
-          <a:bodyPr/>
-          <a:lstStyle/>
-          <a:p>
-            <a:r>
-              <a:rPr lang="en-US" dirty="0" smtClean="0"/>
-              <a:t>Tip-van-de-dag</a:t>
-            </a:r>
-            <a:endParaRPr lang="en-US" dirty="0"/>
-          </a:p>
-        </p:txBody>
-      </p:sp>
-      <p:sp>
-        <p:nvSpPr>
-          <p:cNvPr id="4" name="Content Placeholder 2"/>
-          <p:cNvSpPr txBox="1">
-            <a:spLocks/>
-          </p:cNvSpPr>
-          <p:nvPr/>
-        </p:nvSpPr>
-        <p:spPr>
-          <a:xfrm>
-            <a:off x="0" y="2819400"/>
-            <a:ext cx="8991600" cy="1066800"/>
-          </a:xfrm>
-          <a:prstGeom prst="rect">
-            <a:avLst/>
-          </a:prstGeom>
-        </p:spPr>
-        <p:txBody>
-          <a:bodyPr vert="horz">
-            <a:normAutofit/>
-          </a:bodyPr>
-          <a:lstStyle/>
-          <a:p>
-            <a:pPr marL="365760" marR="0" lvl="0" indent="-256032" algn="ctr" defTabSz="914400" rtl="0" eaLnBrk="1" fontAlgn="auto" latinLnBrk="0" hangingPunct="1">
-              <a:lnSpc>
-                <a:spcPct val="100000"/>
-              </a:lnSpc>
-              <a:spcBef>
-                <a:spcPts val="400"/>
-              </a:spcBef>
-              <a:spcAft>
-                <a:spcPts val="0"/>
-              </a:spcAft>
-              <a:buClr>
-                <a:schemeClr val="accent1"/>
-              </a:buClr>
-              <a:buSzPct val="68000"/>
-              <a:tabLst/>
-              <a:defRPr/>
-            </a:pPr>
-            <a:r>
-              <a:rPr kumimoji="0" lang="en-US" sz="3000" b="0" i="0" u="none" strike="noStrike" kern="1200" cap="none" spc="0" normalizeH="0" baseline="0" noProof="0" dirty="0" err="1" smtClean="0">
-                <a:ln>
-                  <a:noFill/>
-                </a:ln>
-                <a:solidFill>
-                  <a:schemeClr val="tx1"/>
-                </a:solidFill>
-                <a:effectLst/>
-                <a:uLnTx/>
-                <a:uFillTx/>
-                <a:latin typeface="+mn-lt"/>
-                <a:ea typeface="+mn-ea"/>
-                <a:cs typeface="+mn-cs"/>
-              </a:rPr>
-              <a:t>Weet</a:t>
-            </a:r>
-            <a:r>
-              <a:rPr kumimoji="0" lang="en-US" sz="3000" b="0" i="0" u="none" strike="noStrike" kern="1200" cap="none" spc="0" normalizeH="0" baseline="0" noProof="0" dirty="0" smtClean="0">
-                <a:ln>
-                  <a:noFill/>
-                </a:ln>
-                <a:solidFill>
-                  <a:schemeClr val="tx1"/>
-                </a:solidFill>
-                <a:effectLst/>
-                <a:uLnTx/>
-                <a:uFillTx/>
-                <a:latin typeface="+mn-lt"/>
-                <a:ea typeface="+mn-ea"/>
-                <a:cs typeface="+mn-cs"/>
-              </a:rPr>
-              <a:t> </a:t>
-            </a:r>
-            <a:r>
-              <a:rPr kumimoji="0" lang="en-US" sz="3000" b="0" i="0" u="none" strike="noStrike" kern="1200" cap="none" spc="0" normalizeH="0" baseline="0" noProof="0" dirty="0" err="1" smtClean="0">
-                <a:ln>
-                  <a:noFill/>
-                </a:ln>
-                <a:solidFill>
-                  <a:schemeClr val="tx1"/>
-                </a:solidFill>
-                <a:effectLst/>
-                <a:uLnTx/>
-                <a:uFillTx/>
-                <a:latin typeface="+mn-lt"/>
-                <a:ea typeface="+mn-ea"/>
-                <a:cs typeface="+mn-cs"/>
-              </a:rPr>
-              <a:t>wat</a:t>
-            </a:r>
-            <a:r>
-              <a:rPr kumimoji="0" lang="en-US" sz="3000" b="0" i="0" u="none" strike="noStrike" kern="1200" cap="none" spc="0" normalizeH="0" baseline="0" noProof="0" dirty="0" smtClean="0">
-                <a:ln>
-                  <a:noFill/>
-                </a:ln>
-                <a:solidFill>
-                  <a:schemeClr val="tx1"/>
-                </a:solidFill>
-                <a:effectLst/>
-                <a:uLnTx/>
-                <a:uFillTx/>
-                <a:latin typeface="+mn-lt"/>
-                <a:ea typeface="+mn-ea"/>
-                <a:cs typeface="+mn-cs"/>
-              </a:rPr>
-              <a:t> je code </a:t>
-            </a:r>
-            <a:r>
-              <a:rPr kumimoji="0" lang="en-US" sz="3000" b="0" i="0" u="none" strike="noStrike" kern="1200" cap="none" spc="0" normalizeH="0" baseline="0" noProof="0" dirty="0" err="1" smtClean="0">
-                <a:ln>
-                  <a:noFill/>
-                </a:ln>
-                <a:solidFill>
-                  <a:schemeClr val="tx1"/>
-                </a:solidFill>
-                <a:effectLst/>
-                <a:uLnTx/>
-                <a:uFillTx/>
-                <a:latin typeface="+mn-lt"/>
-                <a:ea typeface="+mn-ea"/>
-                <a:cs typeface="+mn-cs"/>
-              </a:rPr>
-              <a:t>doet</a:t>
-            </a:r>
-            <a:r>
-              <a:rPr kumimoji="0" lang="en-US" sz="3000" b="0" i="0" u="none" strike="noStrike" kern="1200" cap="none" spc="0" normalizeH="0" baseline="0" noProof="0" dirty="0" smtClean="0">
-                <a:ln>
-                  <a:noFill/>
-                </a:ln>
-                <a:solidFill>
-                  <a:schemeClr val="tx1"/>
-                </a:solidFill>
-                <a:effectLst/>
-                <a:uLnTx/>
-                <a:uFillTx/>
-                <a:latin typeface="+mn-lt"/>
-                <a:ea typeface="+mn-ea"/>
-                <a:cs typeface="+mn-cs"/>
-              </a:rPr>
-              <a:t> </a:t>
-            </a:r>
-            <a:r>
-              <a:rPr kumimoji="0" lang="en-US" sz="3000" b="0" i="0" u="none" strike="noStrike" kern="1200" cap="none" spc="0" normalizeH="0" baseline="0" noProof="0" dirty="0" err="1" smtClean="0">
-                <a:ln>
-                  <a:noFill/>
-                </a:ln>
-                <a:solidFill>
-                  <a:schemeClr val="tx1"/>
-                </a:solidFill>
-                <a:effectLst/>
-                <a:uLnTx/>
-                <a:uFillTx/>
-                <a:latin typeface="+mn-lt"/>
-                <a:ea typeface="+mn-ea"/>
-                <a:cs typeface="+mn-cs"/>
-              </a:rPr>
-              <a:t>voordat</a:t>
-            </a:r>
-            <a:r>
-              <a:rPr kumimoji="0" lang="en-US" sz="3000" b="0" i="0" u="none" strike="noStrike" kern="1200" cap="none" spc="0" normalizeH="0" baseline="0" noProof="0" dirty="0" smtClean="0">
-                <a:ln>
-                  <a:noFill/>
-                </a:ln>
-                <a:solidFill>
-                  <a:schemeClr val="tx1"/>
-                </a:solidFill>
-                <a:effectLst/>
-                <a:uLnTx/>
-                <a:uFillTx/>
-                <a:latin typeface="+mn-lt"/>
-                <a:ea typeface="+mn-ea"/>
-                <a:cs typeface="+mn-cs"/>
-              </a:rPr>
-              <a:t> je het </a:t>
-            </a:r>
-            <a:r>
-              <a:rPr kumimoji="0" lang="en-US" sz="3000" b="0" i="0" u="none" strike="noStrike" kern="1200" cap="none" spc="0" normalizeH="0" baseline="0" noProof="0" dirty="0" err="1" smtClean="0">
-                <a:ln>
-                  <a:noFill/>
-                </a:ln>
-                <a:solidFill>
-                  <a:schemeClr val="tx1"/>
-                </a:solidFill>
-                <a:effectLst/>
-                <a:uLnTx/>
-                <a:uFillTx/>
-                <a:latin typeface="+mn-lt"/>
-                <a:ea typeface="+mn-ea"/>
-                <a:cs typeface="+mn-cs"/>
-              </a:rPr>
-              <a:t>uitvoert</a:t>
-            </a:r>
-            <a:r>
-              <a:rPr kumimoji="0" lang="en-US" sz="3000" b="0" i="0" u="none" strike="noStrike" kern="1200" cap="none" spc="0" normalizeH="0" baseline="0" noProof="0" dirty="0" smtClean="0">
-                <a:ln>
-                  <a:noFill/>
-                </a:ln>
-                <a:solidFill>
-                  <a:schemeClr val="tx1"/>
-                </a:solidFill>
-                <a:effectLst/>
-                <a:uLnTx/>
-                <a:uFillTx/>
-                <a:latin typeface="+mn-lt"/>
-                <a:ea typeface="+mn-ea"/>
-                <a:cs typeface="+mn-cs"/>
-              </a:rPr>
-              <a:t>.</a:t>
-            </a:r>
-          </a:p>
-          <a:p>
-            <a:pPr marL="365760" marR="0" lvl="0" indent="-256032" algn="ctr" defTabSz="914400" rtl="0" eaLnBrk="1" fontAlgn="auto" latinLnBrk="0" hangingPunct="1">
-              <a:lnSpc>
-                <a:spcPct val="100000"/>
-              </a:lnSpc>
-              <a:spcBef>
-                <a:spcPts val="400"/>
-              </a:spcBef>
-              <a:spcAft>
-                <a:spcPts val="0"/>
-              </a:spcAft>
-              <a:buClr>
-                <a:schemeClr val="accent1"/>
-              </a:buClr>
-              <a:buSzPct val="68000"/>
-              <a:buFont typeface="Wingdings 3"/>
-              <a:buChar char=""/>
-              <a:tabLst/>
-              <a:defRPr/>
-            </a:pPr>
-            <a:endParaRPr kumimoji="0" lang="en-US" sz="3000" b="0" i="0" u="none" strike="noStrike" kern="1200" cap="none" spc="0" normalizeH="0" baseline="0" noProof="0" dirty="0" smtClean="0">
-              <a:ln>
-                <a:noFill/>
-              </a:ln>
-              <a:solidFill>
-                <a:schemeClr val="tx1"/>
-              </a:solidFill>
-              <a:effectLst/>
-              <a:uLnTx/>
-              <a:uFillTx/>
-              <a:latin typeface="+mn-lt"/>
-              <a:ea typeface="+mn-ea"/>
-              <a:cs typeface="+mn-cs"/>
-            </a:endParaRPr>
-          </a:p>
-          <a:p>
-            <a:pPr marL="365760" marR="0" lvl="0" indent="-256032" algn="ctr" defTabSz="914400" rtl="0" eaLnBrk="1" fontAlgn="auto" latinLnBrk="0" hangingPunct="1">
-              <a:lnSpc>
-                <a:spcPct val="100000"/>
-              </a:lnSpc>
-              <a:spcBef>
-                <a:spcPts val="400"/>
-              </a:spcBef>
-              <a:spcAft>
-                <a:spcPts val="0"/>
-              </a:spcAft>
-              <a:buClr>
-                <a:schemeClr val="accent1"/>
-              </a:buClr>
-              <a:buSzPct val="68000"/>
-              <a:buFont typeface="Wingdings 3"/>
-              <a:buChar char=""/>
-              <a:tabLst/>
-              <a:defRPr/>
-            </a:pPr>
-            <a:endParaRPr kumimoji="0" lang="en-US" sz="3000" b="0" i="0" u="none" strike="noStrike" kern="1200" cap="none" spc="0" normalizeH="0" baseline="0" noProof="0" dirty="0" smtClean="0">
-              <a:ln>
-                <a:noFill/>
-              </a:ln>
-              <a:solidFill>
-                <a:schemeClr val="tx1"/>
-              </a:solidFill>
-              <a:effectLst/>
-              <a:uLnTx/>
-              <a:uFillTx/>
-              <a:latin typeface="+mn-lt"/>
-              <a:ea typeface="+mn-ea"/>
-              <a:cs typeface="+mn-cs"/>
-            </a:endParaRPr>
-          </a:p>
-        </p:txBody>
-      </p:sp>
-    </p:spTree>
-  </p:cSld>
-  <p:clrMapOvr>
-    <a:masterClrMapping/>
-  </p:clrMapOvr>
-  <p:timing>
-    <p:tnLst>
-      <p:par>
-        <p:cTn id="1" dur="indefinite" restart="never" nodeType="tmRoot"/>
-      </p:par>
-    </p:tnLst>
-  </p:timing>
 </p:sld>
 </file>
 
@@ -7169,6 +6299,21 @@
 </file>
 
 <file path=customXml/item1.xml><?xml version="1.0" encoding="utf-8"?>
+<p:properties xmlns:p="http://schemas.microsoft.com/office/2006/metadata/properties" xmlns:xsi="http://www.w3.org/2001/XMLSchema-instance">
+  <documentManagement/>
+</p:properties>
+</file>
+
+<file path=customXml/item2.xml><?xml version="1.0" encoding="utf-8"?>
+<?mso-contentType ?>
+<FormTemplates xmlns="http://schemas.microsoft.com/sharepoint/v3/contenttype/forms">
+  <Display>DocumentLibraryForm</Display>
+  <Edit>DocumentLibraryForm</Edit>
+  <New>DocumentLibraryForm</New>
+</FormTemplates>
+</file>
+
+<file path=customXml/item3.xml><?xml version="1.0" encoding="utf-8"?>
 <ct:contentTypeSchema xmlns:ct="http://schemas.microsoft.com/office/2006/metadata/contentType" xmlns:ma="http://schemas.microsoft.com/office/2006/metadata/properties/metaAttributes" ct:_="" ma:_="" ma:contentTypeName="Document" ma:contentTypeID="0x010100B58038D1F586F949BDCB6D68F56E6650" ma:contentTypeVersion="1" ma:contentTypeDescription="Create a new document." ma:contentTypeScope="" ma:versionID="cd8d4eb37389dbde3a72667022213ca5">
   <xsd:schema xmlns:xsd="http://www.w3.org/2001/XMLSchema" xmlns:xs="http://www.w3.org/2001/XMLSchema" xmlns:p="http://schemas.microsoft.com/office/2006/metadata/properties" targetNamespace="http://schemas.microsoft.com/office/2006/metadata/properties" ma:root="true" ma:fieldsID="26e4863383729cb444416dcdc8f5e0bd">
     <xsd:element name="properties">
@@ -7282,29 +6427,34 @@
 </ct:contentTypeSchema>
 </file>
 
-<file path=customXml/item2.xml><?xml version="1.0" encoding="utf-8"?>
-<?mso-contentType ?>
-<FormTemplates xmlns="http://schemas.microsoft.com/sharepoint/v3/contenttype/forms">
-  <Display>DocumentLibraryForm</Display>
-  <Edit>DocumentLibraryForm</Edit>
-  <New>DocumentLibraryForm</New>
-</FormTemplates>
-</file>
-
-<file path=customXml/item3.xml><?xml version="1.0" encoding="utf-8"?>
-<p:properties xmlns:p="http://schemas.microsoft.com/office/2006/metadata/properties" xmlns:xsi="http://www.w3.org/2001/XMLSchema-instance">
-  <documentManagement/>
-</p:properties>
-</file>
-
 <file path=customXml/itemProps1.xml><?xml version="1.0" encoding="utf-8"?>
-<ds:datastoreItem xmlns:ds="http://schemas.openxmlformats.org/officeDocument/2006/customXml" ds:itemID="{DA88BB29-3C71-472E-9850-F09BB8BD25FC}"/>
+<ds:datastoreItem xmlns:ds="http://schemas.openxmlformats.org/officeDocument/2006/customXml" ds:itemID="{2AFE2239-7BC6-4FB5-8854-06051FB22065}">
+  <ds:schemaRefs>
+    <ds:schemaRef ds:uri="http://schemas.microsoft.com/office/2006/metadata/properties"/>
+  </ds:schemaRefs>
+</ds:datastoreItem>
 </file>
 
 <file path=customXml/itemProps2.xml><?xml version="1.0" encoding="utf-8"?>
-<ds:datastoreItem xmlns:ds="http://schemas.openxmlformats.org/officeDocument/2006/customXml" ds:itemID="{171A9F4B-9DE7-4E73-ADBC-29F88244397B}"/>
+<ds:datastoreItem xmlns:ds="http://schemas.openxmlformats.org/officeDocument/2006/customXml" ds:itemID="{171A9F4B-9DE7-4E73-ADBC-29F88244397B}">
+  <ds:schemaRefs>
+    <ds:schemaRef ds:uri="http://schemas.microsoft.com/sharepoint/v3/contenttype/forms"/>
+  </ds:schemaRefs>
+</ds:datastoreItem>
 </file>
 
 <file path=customXml/itemProps3.xml><?xml version="1.0" encoding="utf-8"?>
-<ds:datastoreItem xmlns:ds="http://schemas.openxmlformats.org/officeDocument/2006/customXml" ds:itemID="{2AFE2239-7BC6-4FB5-8854-06051FB22065}"/>
+<ds:datastoreItem xmlns:ds="http://schemas.openxmlformats.org/officeDocument/2006/customXml" ds:itemID="{DA88BB29-3C71-472E-9850-F09BB8BD25FC}">
+  <ds:schemaRefs>
+    <ds:schemaRef ds:uri="http://schemas.microsoft.com/office/2006/metadata/contentType"/>
+    <ds:schemaRef ds:uri="http://schemas.microsoft.com/office/2006/metadata/properties/metaAttributes"/>
+    <ds:schemaRef ds:uri="http://www.w3.org/2001/XMLSchema"/>
+    <ds:schemaRef ds:uri="http://schemas.microsoft.com/office/2006/metadata/properties"/>
+    <ds:schemaRef ds:uri="http://schemas.openxmlformats.org/package/2006/metadata/core-properties"/>
+    <ds:schemaRef ds:uri="http://purl.org/dc/elements/1.1/"/>
+    <ds:schemaRef ds:uri="http://purl.org/dc/terms/"/>
+    <ds:schemaRef ds:uri="http://schemas.microsoft.com/internal/obd"/>
+    <ds:schemaRef ds:uri="http://schemas.microsoft.com/office/infopath/2007/PartnerControls"/>
+  </ds:schemaRefs>
+</ds:datastoreItem>
 </file>